--- a/hacktrack.pptx
+++ b/hacktrack.pptx
@@ -3414,16 +3414,7 @@
                 </a:solidFill>
                 <a:latin typeface="+mj-lt"/>
               </a:rPr>
-              <a:t>The most revolutionary app ever thought. It’s not just an app it’s a revolution in medical science and way of connection between doctor, patient and hospital .it increases the trust which is most important thing which you do whenever you go to any hospital or doctor if you don’t  have trust on doctor ,you think you will be cheated he/she will charge you more</a:t>
-            </a:r>
-            <a:r>
-              <a:rPr lang="en-IN" dirty="0" smtClean="0">
-                <a:solidFill>
-                  <a:schemeClr val="bg1"/>
-                </a:solidFill>
-                <a:latin typeface="+mj-lt"/>
-              </a:rPr>
-              <a:t>.</a:t>
+              <a:t>The most revolutionary app ever thought. It’s not just an app it’s a revolution in medical science and way of connection between doctor, patient and hospital .it increases the trust which is most important thing which you do whenever you go to any hospital or doctor if you don’t  have trust on doctor ,you think you will be cheated he/she will charge you more.</a:t>
             </a:r>
           </a:p>
           <a:p>
@@ -3726,7 +3717,7 @@
           <p:nvPr/>
         </p:nvPicPr>
         <p:blipFill>
-          <a:blip r:embed="rId3"/>
+          <a:blip r:embed="rId2"/>
           <a:stretch>
             <a:fillRect/>
           </a:stretch>
@@ -3767,7 +3758,7 @@
             <p:nvPr/>
           </p:nvPicPr>
           <p:blipFill>
-            <a:blip r:embed="rId4" cstate="print"/>
+            <a:blip r:embed="rId3" cstate="print"/>
             <a:srcRect r="71060" b="78261"/>
             <a:stretch>
               <a:fillRect/>
@@ -3806,7 +3797,7 @@
               <p:nvPr/>
             </p:nvPicPr>
             <p:blipFill>
-              <a:blip r:embed="rId5" cstate="print"/>
+              <a:blip r:embed="rId4" cstate="print"/>
               <a:stretch>
                 <a:fillRect/>
               </a:stretch>
@@ -3909,7 +3900,7 @@
           <p:nvPr/>
         </p:nvPicPr>
         <p:blipFill>
-          <a:blip r:embed="rId6" cstate="print"/>
+          <a:blip r:embed="rId5" cstate="print"/>
           <a:srcRect t="6818" b="27272"/>
           <a:stretch>
             <a:fillRect/>
@@ -3939,7 +3930,7 @@
           <p:nvPr/>
         </p:nvPicPr>
         <p:blipFill>
-          <a:blip r:embed="rId7" cstate="print"/>
+          <a:blip r:embed="rId6" cstate="print"/>
           <a:srcRect t="2083" b="17708"/>
           <a:stretch>
             <a:fillRect/>
@@ -4065,23 +4056,7 @@
                   <a:schemeClr val="bg1"/>
                 </a:solidFill>
               </a:rPr>
-              <a:t>this function You </a:t>
-            </a:r>
-            <a:r>
-              <a:rPr lang="en-IN" sz="1200" dirty="0" smtClean="0">
-                <a:solidFill>
-                  <a:schemeClr val="bg1"/>
-                </a:solidFill>
-              </a:rPr>
-              <a:t>can get the details of your nearest hospital, ambulance &amp; etc details based on your GPS </a:t>
-            </a:r>
-            <a:r>
-              <a:rPr lang="en-IN" sz="1200" dirty="0" smtClean="0">
-                <a:solidFill>
-                  <a:schemeClr val="bg1"/>
-                </a:solidFill>
-              </a:rPr>
-              <a:t>Location</a:t>
+              <a:t>this function You can get the details of your nearest hospital, ambulance &amp; etc details based on your GPS Location</a:t>
             </a:r>
           </a:p>
           <a:p>
@@ -4095,22 +4070,14 @@
                   <a:srgbClr val="FF0000"/>
                 </a:solidFill>
               </a:rPr>
-              <a:t>CALL NEAREST  </a:t>
-            </a:r>
-            <a:r>
-              <a:rPr lang="en-IN" sz="1200" b="1" u="sng" dirty="0" smtClean="0">
+              <a:t>CALL NEAREST  HOSPITAL</a:t>
+            </a:r>
+            <a:r>
+              <a:rPr lang="en-IN" sz="1200" b="1" dirty="0" smtClean="0">
                 <a:solidFill>
                   <a:srgbClr val="FF0000"/>
                 </a:solidFill>
               </a:rPr>
-              <a:t>HOSPITAL</a:t>
-            </a:r>
-            <a:r>
-              <a:rPr lang="en-IN" sz="1200" b="1" dirty="0" smtClean="0">
-                <a:solidFill>
-                  <a:srgbClr val="FF0000"/>
-                </a:solidFill>
-              </a:rPr>
               <a:t>:- </a:t>
             </a:r>
             <a:r>
@@ -4119,31 +4086,7 @@
                   <a:schemeClr val="bg1"/>
                 </a:solidFill>
               </a:rPr>
-              <a:t>Through this function,  </a:t>
-            </a:r>
-            <a:r>
-              <a:rPr lang="en-IN" sz="1200" dirty="0" smtClean="0">
-                <a:solidFill>
-                  <a:schemeClr val="bg1"/>
-                </a:solidFill>
-              </a:rPr>
-              <a:t>get the hospital  phone number </a:t>
-            </a:r>
-            <a:r>
-              <a:rPr lang="en-IN" sz="1200" dirty="0" smtClean="0">
-                <a:solidFill>
-                  <a:schemeClr val="bg1"/>
-                </a:solidFill>
-              </a:rPr>
-              <a:t>based </a:t>
-            </a:r>
-            <a:r>
-              <a:rPr lang="en-IN" sz="1200" dirty="0" smtClean="0">
-                <a:solidFill>
-                  <a:schemeClr val="bg1"/>
-                </a:solidFill>
-              </a:rPr>
-              <a:t>on your location</a:t>
+              <a:t>Through this function,  get the hospital  phone number based on your location</a:t>
             </a:r>
             <a:endParaRPr lang="en-US" sz="1200" b="1" dirty="0" smtClean="0">
               <a:solidFill>
@@ -4275,61 +4218,16 @@
                 </a:solidFill>
                 <a:latin typeface="+mj-lt"/>
               </a:rPr>
-              <a:t>:-  </a:t>
-            </a:r>
-            <a:r>
-              <a:rPr lang="en-IN" sz="1200" b="1" dirty="0" smtClean="0">
-                <a:solidFill>
-                  <a:srgbClr val="92D050"/>
+              <a:t>:-   </a:t>
+            </a:r>
+            <a:r>
+              <a:rPr lang="en-IN" sz="1200" dirty="0" smtClean="0">
+                <a:solidFill>
+                  <a:schemeClr val="bg1"/>
                 </a:solidFill>
                 <a:latin typeface="+mj-lt"/>
               </a:rPr>
-              <a:t> </a:t>
-            </a:r>
-            <a:r>
-              <a:rPr lang="en-IN" sz="1200" dirty="0" smtClean="0">
-                <a:solidFill>
-                  <a:schemeClr val="bg1"/>
-                </a:solidFill>
-                <a:latin typeface="+mj-lt"/>
-              </a:rPr>
-              <a:t>This page provide the details of patient health conditions </a:t>
-            </a:r>
-            <a:r>
-              <a:rPr lang="en-IN" sz="1200" dirty="0" smtClean="0">
-                <a:solidFill>
-                  <a:schemeClr val="bg1"/>
-                </a:solidFill>
-                <a:latin typeface="+mj-lt"/>
-              </a:rPr>
-              <a:t>,</a:t>
-            </a:r>
-            <a:r>
-              <a:rPr lang="en-IN" sz="1200" dirty="0" smtClean="0">
-                <a:solidFill>
-                  <a:schemeClr val="bg1"/>
-                </a:solidFill>
-                <a:latin typeface="+mj-lt"/>
-              </a:rPr>
-              <a:t>etc. </a:t>
-            </a:r>
-            <a:r>
-              <a:rPr lang="en-IN" sz="1200" dirty="0" smtClean="0">
-                <a:solidFill>
-                  <a:schemeClr val="bg1"/>
-                </a:solidFill>
-                <a:latin typeface="+mj-lt"/>
-              </a:rPr>
-              <a:t>w</a:t>
-            </a:r>
-            <a:r>
-              <a:rPr lang="en-IN" sz="1200" dirty="0" smtClean="0">
-                <a:solidFill>
-                  <a:schemeClr val="bg1"/>
-                </a:solidFill>
-                <a:latin typeface="+mj-lt"/>
-              </a:rPr>
-              <a:t>ith  last updated  time. Also  You Can  share the  details with any one.</a:t>
+              <a:t>This page provide the details of patient health conditions ,etc. with  last updated  time. Also  You Can  share the  details with any one.</a:t>
             </a:r>
           </a:p>
           <a:p>
@@ -4532,89 +4430,6 @@
       </p:sp>
       <p:pic>
         <p:nvPicPr>
-          <p:cNvPr id="29" name="Screen_Recording_SwasthyaSetu.mp4">
-            <a:hlinkClick r:id="" action="ppaction://media"/>
-          </p:cNvPr>
-          <p:cNvPicPr>
-            <a:picLocks noRot="1" noChangeAspect="1"/>
-          </p:cNvPicPr>
-          <p:nvPr>
-            <a:videoFile r:link="rId1"/>
-          </p:nvPr>
-        </p:nvPicPr>
-        <p:blipFill>
-          <a:blip r:embed="rId8"/>
-          <a:srcRect l="44491" r="14362"/>
-          <a:stretch>
-            <a:fillRect/>
-          </a:stretch>
-        </p:blipFill>
-        <p:spPr>
-          <a:xfrm>
-            <a:off x="6429388" y="1796018"/>
-            <a:ext cx="2071702" cy="3776122"/>
-          </a:xfrm>
-          <a:prstGeom prst="rect">
-            <a:avLst/>
-          </a:prstGeom>
-          <a:ln w="19050" cap="sq" cmpd="thickThin">
-            <a:solidFill>
-              <a:schemeClr val="bg1"/>
-            </a:solidFill>
-            <a:prstDash val="solid"/>
-            <a:miter lim="800000"/>
-          </a:ln>
-          <a:effectLst>
-            <a:innerShdw blurRad="76200">
-              <a:srgbClr val="000000"/>
-            </a:innerShdw>
-          </a:effectLst>
-        </p:spPr>
-      </p:pic>
-      <p:sp>
-        <p:nvSpPr>
-          <p:cNvPr id="30" name="TextBox 29"/>
-          <p:cNvSpPr txBox="1"/>
-          <p:nvPr/>
-        </p:nvSpPr>
-        <p:spPr>
-          <a:xfrm>
-            <a:off x="6286512" y="1428736"/>
-            <a:ext cx="2143140" cy="261610"/>
-          </a:xfrm>
-          <a:prstGeom prst="rect">
-            <a:avLst/>
-          </a:prstGeom>
-          <a:noFill/>
-        </p:spPr>
-        <p:txBody>
-          <a:bodyPr wrap="square" rtlCol="0">
-            <a:spAutoFit/>
-          </a:bodyPr>
-          <a:lstStyle/>
-          <a:p>
-            <a:pPr>
-              <a:buFont typeface="Courier New" pitchFamily="49" charset="0"/>
-              <a:buChar char="o"/>
-            </a:pPr>
-            <a:r>
-              <a:rPr lang="en-IN" sz="1100" dirty="0" smtClean="0">
-                <a:solidFill>
-                  <a:srgbClr val="FF0000"/>
-                </a:solidFill>
-              </a:rPr>
-              <a:t>  Clicked here to play the video 👇</a:t>
-            </a:r>
-            <a:endParaRPr lang="en-US" sz="1100" dirty="0">
-              <a:solidFill>
-                <a:srgbClr val="FF0000"/>
-              </a:solidFill>
-            </a:endParaRPr>
-          </a:p>
-        </p:txBody>
-      </p:sp>
-      <p:pic>
-        <p:nvPicPr>
           <p:cNvPr id="31" name="Picture 30" descr="pngwing.com.png"/>
           <p:cNvPicPr>
             <a:picLocks noChangeAspect="1"/>
@@ -4622,7 +4437,7 @@
           <p:nvPr/>
         </p:nvPicPr>
         <p:blipFill>
-          <a:blip r:embed="rId9" cstate="print">
+          <a:blip r:embed="rId7" cstate="print">
             <a:lum bright="70000" contrast="-70000"/>
           </a:blip>
           <a:stretch>
@@ -4665,7 +4480,7 @@
                 <a:solidFill>
                   <a:schemeClr val="bg1"/>
                 </a:solidFill>
-                <a:hlinkClick r:id="rId10"/>
+                <a:hlinkClick r:id="rId8"/>
               </a:rPr>
               <a:t>GitHub</a:t>
             </a:r>
@@ -4677,6 +4492,106 @@
           </a:p>
         </p:txBody>
       </p:sp>
+      <p:pic>
+        <p:nvPicPr>
+          <p:cNvPr id="17" name="Picture 16" descr="Screenshot_20230118_150856_SwasthyaSetu.jpg"/>
+          <p:cNvPicPr>
+            <a:picLocks noChangeAspect="1"/>
+          </p:cNvPicPr>
+          <p:nvPr/>
+        </p:nvPicPr>
+        <p:blipFill>
+          <a:blip r:embed="rId9" cstate="print"/>
+          <a:srcRect b="17708"/>
+          <a:stretch>
+            <a:fillRect/>
+          </a:stretch>
+        </p:blipFill>
+        <p:spPr>
+          <a:xfrm>
+            <a:off x="6053595" y="1000108"/>
+            <a:ext cx="1090173" cy="2000264"/>
+          </a:xfrm>
+          <a:prstGeom prst="rect">
+            <a:avLst/>
+          </a:prstGeom>
+        </p:spPr>
+      </p:pic>
+      <p:pic>
+        <p:nvPicPr>
+          <p:cNvPr id="19" name="Picture 18" descr="Screenshot_20230118_151722_SwasthyaSetu.jpg"/>
+          <p:cNvPicPr>
+            <a:picLocks noChangeAspect="1"/>
+          </p:cNvPicPr>
+          <p:nvPr/>
+        </p:nvPicPr>
+        <p:blipFill>
+          <a:blip r:embed="rId10" cstate="print"/>
+          <a:srcRect t="4166" b="7291"/>
+          <a:stretch>
+            <a:fillRect/>
+          </a:stretch>
+        </p:blipFill>
+        <p:spPr>
+          <a:xfrm>
+            <a:off x="7286644" y="1071546"/>
+            <a:ext cx="1230339" cy="2428892"/>
+          </a:xfrm>
+          <a:prstGeom prst="rect">
+            <a:avLst/>
+          </a:prstGeom>
+        </p:spPr>
+      </p:pic>
+      <p:pic>
+        <p:nvPicPr>
+          <p:cNvPr id="20" name="Picture 19" descr="Screenshot_20230118_150914_SwasthyaSetu.jpg"/>
+          <p:cNvPicPr>
+            <a:picLocks noChangeAspect="1"/>
+          </p:cNvPicPr>
+          <p:nvPr/>
+        </p:nvPicPr>
+        <p:blipFill>
+          <a:blip r:embed="rId11" cstate="print"/>
+          <a:srcRect t="2816" b="23958"/>
+          <a:stretch>
+            <a:fillRect/>
+          </a:stretch>
+        </p:blipFill>
+        <p:spPr>
+          <a:xfrm>
+            <a:off x="6006121" y="3071810"/>
+            <a:ext cx="1137647" cy="1857388"/>
+          </a:xfrm>
+          <a:prstGeom prst="rect">
+            <a:avLst/>
+          </a:prstGeom>
+        </p:spPr>
+      </p:pic>
+      <p:pic>
+        <p:nvPicPr>
+          <p:cNvPr id="21" name="Picture 20" descr="Screenshot_20230118_150946_SwasthyaSetu.jpg"/>
+          <p:cNvPicPr>
+            <a:picLocks noChangeAspect="1"/>
+          </p:cNvPicPr>
+          <p:nvPr/>
+        </p:nvPicPr>
+        <p:blipFill>
+          <a:blip r:embed="rId12" cstate="print"/>
+          <a:srcRect t="5208" b="26042"/>
+          <a:stretch>
+            <a:fillRect/>
+          </a:stretch>
+        </p:blipFill>
+        <p:spPr>
+          <a:xfrm>
+            <a:off x="7286644" y="3786190"/>
+            <a:ext cx="1258301" cy="1928826"/>
+          </a:xfrm>
+          <a:prstGeom prst="rect">
+            <a:avLst/>
+          </a:prstGeom>
+        </p:spPr>
+      </p:pic>
     </p:spTree>
   </p:cSld>
   <p:clrMapOvr>
@@ -4685,150 +4600,7 @@
   <p:timing>
     <p:tnLst>
       <p:par>
-        <p:cTn id="1" dur="indefinite" restart="never" nodeType="tmRoot">
-          <p:childTnLst>
-            <p:seq concurrent="1" nextAc="seek">
-              <p:cTn id="2" dur="indefinite" nodeType="mainSeq">
-                <p:childTnLst>
-                  <p:par>
-                    <p:cTn id="3" fill="hold">
-                      <p:stCondLst>
-                        <p:cond delay="indefinite"/>
-                        <p:cond evt="onBegin" delay="0">
-                          <p:tn val="2"/>
-                        </p:cond>
-                      </p:stCondLst>
-                      <p:childTnLst>
-                        <p:par>
-                          <p:cTn id="4" fill="hold">
-                            <p:stCondLst>
-                              <p:cond delay="0"/>
-                            </p:stCondLst>
-                            <p:childTnLst>
-                              <p:par>
-                                <p:cTn id="5" presetID="1" presetClass="mediacall" presetSubtype="0" fill="hold" nodeType="afterEffect">
-                                  <p:stCondLst>
-                                    <p:cond delay="0"/>
-                                  </p:stCondLst>
-                                  <p:childTnLst>
-                                    <p:cmd type="call" cmd="playFrom(0.0)">
-                                      <p:cBhvr>
-                                        <p:cTn id="6" dur="1" fill="hold"/>
-                                        <p:tgtEl>
-                                          <p:spTgt spid="29"/>
-                                        </p:tgtEl>
-                                      </p:cBhvr>
-                                    </p:cmd>
-                                  </p:childTnLst>
-                                </p:cTn>
-                              </p:par>
-                            </p:childTnLst>
-                          </p:cTn>
-                        </p:par>
-                      </p:childTnLst>
-                    </p:cTn>
-                  </p:par>
-                </p:childTnLst>
-              </p:cTn>
-              <p:prevCondLst>
-                <p:cond evt="onPrev" delay="0">
-                  <p:tgtEl>
-                    <p:sldTgt/>
-                  </p:tgtEl>
-                </p:cond>
-              </p:prevCondLst>
-              <p:nextCondLst>
-                <p:cond evt="onNext" delay="0">
-                  <p:tgtEl>
-                    <p:sldTgt/>
-                  </p:tgtEl>
-                </p:cond>
-              </p:nextCondLst>
-            </p:seq>
-            <p:video>
-              <p:cMediaNode mute="1">
-                <p:cTn id="7" repeatCount="indefinite" fill="remove" display="0">
-                  <p:stCondLst>
-                    <p:cond delay="indefinite"/>
-                  </p:stCondLst>
-                  <p:endCondLst>
-                    <p:cond evt="onNext" delay="0">
-                      <p:tgtEl>
-                        <p:sldTgt/>
-                      </p:tgtEl>
-                    </p:cond>
-                    <p:cond evt="onPrev" delay="0">
-                      <p:tgtEl>
-                        <p:sldTgt/>
-                      </p:tgtEl>
-                    </p:cond>
-                  </p:endCondLst>
-                </p:cTn>
-                <p:tgtEl>
-                  <p:spTgt spid="29"/>
-                </p:tgtEl>
-              </p:cMediaNode>
-            </p:video>
-            <p:seq concurrent="1" nextAc="seek">
-              <p:cTn id="8" restart="whenNotActive" fill="hold" evtFilter="cancelBubble" nodeType="interactiveSeq">
-                <p:stCondLst>
-                  <p:cond evt="onClick" delay="0">
-                    <p:tgtEl>
-                      <p:spTgt spid="29"/>
-                    </p:tgtEl>
-                  </p:cond>
-                </p:stCondLst>
-                <p:endSync evt="end" delay="0">
-                  <p:rtn val="all"/>
-                </p:endSync>
-                <p:childTnLst>
-                  <p:par>
-                    <p:cTn id="9" fill="hold">
-                      <p:stCondLst>
-                        <p:cond delay="0"/>
-                      </p:stCondLst>
-                      <p:childTnLst>
-                        <p:par>
-                          <p:cTn id="10" fill="hold">
-                            <p:stCondLst>
-                              <p:cond delay="0"/>
-                            </p:stCondLst>
-                            <p:childTnLst>
-                              <p:par>
-                                <p:cTn id="11" presetID="2" presetClass="mediacall" presetSubtype="0" fill="hold" nodeType="clickEffect">
-                                  <p:stCondLst>
-                                    <p:cond delay="0"/>
-                                  </p:stCondLst>
-                                  <p:childTnLst>
-                                    <p:cmd type="call" cmd="togglePause">
-                                      <p:cBhvr>
-                                        <p:cTn id="12" dur="1" fill="hold"/>
-                                        <p:tgtEl>
-                                          <p:spTgt spid="29"/>
-                                        </p:tgtEl>
-                                      </p:cBhvr>
-                                    </p:cmd>
-                                  </p:childTnLst>
-                                </p:cTn>
-                              </p:par>
-                            </p:childTnLst>
-                          </p:cTn>
-                        </p:par>
-                      </p:childTnLst>
-                    </p:cTn>
-                  </p:par>
-                </p:childTnLst>
-              </p:cTn>
-              <p:nextCondLst>
-                <p:cond evt="onClick" delay="0">
-                  <p:tgtEl>
-                    <p:spTgt spid="29"/>
-                  </p:tgtEl>
-                </p:cond>
-              </p:nextCondLst>
-            </p:seq>
-          </p:childTnLst>
-        </p:cTn>
+        <p:cTn id="1" dur="indefinite" restart="never" nodeType="tmRoot"/>
       </p:par>
     </p:tnLst>
   </p:timing>
@@ -5033,15 +4805,7 @@
                   <a:srgbClr val="FF0000"/>
                 </a:solidFill>
               </a:rPr>
-              <a:t>Future </a:t>
-            </a:r>
-            <a:r>
-              <a:rPr lang="en-IN" sz="3200" b="1" u="sng" dirty="0" smtClean="0">
-                <a:solidFill>
-                  <a:srgbClr val="FF0000"/>
-                </a:solidFill>
-              </a:rPr>
-              <a:t>Goals</a:t>
+              <a:t>Future Goals</a:t>
             </a:r>
             <a:r>
               <a:rPr lang="en-IN" sz="3200" b="1" dirty="0" smtClean="0">
@@ -5247,15 +5011,7 @@
                   <a:schemeClr val="bg1"/>
                 </a:solidFill>
               </a:rPr>
-              <a:t> </a:t>
-            </a:r>
-            <a:r>
-              <a:rPr lang="en-IN" dirty="0" smtClean="0">
-                <a:solidFill>
-                  <a:schemeClr val="bg1"/>
-                </a:solidFill>
-              </a:rPr>
-              <a:t> 24 X 7 Online Doctor Consultancy</a:t>
+              <a:t>  24 X 7 Online Doctor Consultancy</a:t>
             </a:r>
           </a:p>
           <a:p>
@@ -5280,23 +5036,7 @@
                   <a:schemeClr val="bg1"/>
                 </a:solidFill>
               </a:rPr>
-              <a:t>We will have an AI Enabled </a:t>
-            </a:r>
-            <a:r>
-              <a:rPr lang="en-IN" dirty="0" smtClean="0">
-                <a:solidFill>
-                  <a:schemeClr val="bg1"/>
-                </a:solidFill>
-              </a:rPr>
-              <a:t>H</a:t>
-            </a:r>
-            <a:r>
-              <a:rPr lang="en-IN" dirty="0" smtClean="0">
-                <a:solidFill>
-                  <a:schemeClr val="bg1"/>
-                </a:solidFill>
-              </a:rPr>
-              <a:t>ealth Intelligence System With Accident Alarm</a:t>
+              <a:t>We will have an AI Enabled Health Intelligence System With Accident Alarm</a:t>
             </a:r>
           </a:p>
           <a:p>
@@ -5323,11 +5063,6 @@
               </a:rPr>
               <a:t>  AI Medicine Guidance </a:t>
             </a:r>
-            <a:endParaRPr lang="en-IN" dirty="0" smtClean="0">
-              <a:solidFill>
-                <a:schemeClr val="bg1"/>
-              </a:solidFill>
-            </a:endParaRPr>
           </a:p>
           <a:p>
             <a:pPr>
